--- a/docs/SmartBudget_Presentation_Pre.pptx
+++ b/docs/SmartBudget_Presentation_Pre.pptx
@@ -250,7 +250,7 @@
           <a:p>
             <a:fld id="{AEEB8343-857D-4973-A47C-BFBF7FD1F314}" type="datetimeFigureOut">
               <a:rPr lang="en-CA" smtClean="0"/>
-              <a:t>2025-11-25</a:t>
+              <a:t>2025-11-24</a:t>
             </a:fld>
             <a:endParaRPr lang="en-CA" dirty="0"/>
           </a:p>
@@ -415,7 +415,7 @@
           <a:p>
             <a:fld id="{D2949B78-ECBF-4D79-8EE0-7EEBA90FC5BE}" type="datetimeFigureOut">
               <a:rPr lang="en-US" smtClean="0"/>
-              <a:t>11/25/2025</a:t>
+              <a:t>11/24/25</a:t>
             </a:fld>
             <a:endParaRPr lang="en-US" dirty="0"/>
           </a:p>
